--- a/Sprint2/EdaWorkshop_Sprint2.pptx
+++ b/Sprint2/EdaWorkshop_Sprint2.pptx
@@ -3067,6 +3067,10 @@
           <a:lstStyle/>
           <a:p>
             <a:r>
+              <a:rPr lang="en-US" dirty="0" smtClean="0"/>
+              <a:t>***</a:t>
+            </a:r>
+            <a:r>
               <a:rPr lang="en-US" dirty="0" err="1" smtClean="0"/>
               <a:t>ToDo</a:t>
             </a:r>
@@ -3088,6 +3092,17 @@
         <p:txBody>
           <a:bodyPr/>
           <a:lstStyle/>
+          <a:p>
+            <a:r>
+              <a:rPr lang="en-US" dirty="0" smtClean="0"/>
+              <a:t>ARM scripts </a:t>
+            </a:r>
+            <a:r>
+              <a:rPr lang="en-US" dirty="0" smtClean="0"/>
+              <a:t>for sprint 3</a:t>
+            </a:r>
+            <a:endParaRPr lang="en-US" dirty="0" smtClean="0"/>
+          </a:p>
           <a:p>
             <a:r>
               <a:rPr lang="en-US" dirty="0" smtClean="0"/>
@@ -3144,11 +3159,7 @@
           <a:p>
             <a:r>
               <a:rPr lang="en-US" dirty="0" smtClean="0"/>
-              <a:t>User Story </a:t>
-            </a:r>
-            <a:r>
-              <a:rPr lang="en-US" dirty="0" smtClean="0"/>
-              <a:t>2-1</a:t>
+              <a:t>User Story 2-1</a:t>
             </a:r>
             <a:endParaRPr lang="en-US" dirty="0"/>
           </a:p>
@@ -3178,7 +3189,6 @@
               <a:rPr lang="en-US" dirty="0" smtClean="0"/>
               <a:t>TODO</a:t>
             </a:r>
-            <a:endParaRPr lang="en-US" dirty="0" smtClean="0"/>
           </a:p>
         </p:txBody>
       </p:sp>
@@ -3259,11 +3269,7 @@
           <a:p>
             <a:r>
               <a:rPr lang="en-US" dirty="0" smtClean="0"/>
-              <a:t>User Story </a:t>
-            </a:r>
-            <a:r>
-              <a:rPr lang="en-US" dirty="0" smtClean="0"/>
-              <a:t>2-1: Design</a:t>
+              <a:t>User Story 2-1: Design</a:t>
             </a:r>
             <a:endParaRPr lang="en-US" dirty="0"/>
           </a:p>
@@ -3293,7 +3299,6 @@
               <a:rPr lang="en-US" dirty="0" smtClean="0"/>
               <a:t>TODO</a:t>
             </a:r>
-            <a:endParaRPr lang="en-US" dirty="0" smtClean="0"/>
           </a:p>
         </p:txBody>
       </p:sp>
@@ -3686,11 +3691,7 @@
             </a:r>
             <a:r>
               <a:rPr lang="en-US" dirty="0" smtClean="0"/>
-              <a:t>ask </a:t>
-            </a:r>
-            <a:r>
-              <a:rPr lang="en-US" dirty="0" smtClean="0"/>
-              <a:t>2-1:</a:t>
+              <a:t>ask 2-1:</a:t>
             </a:r>
             <a:endParaRPr lang="en-US" dirty="0"/>
           </a:p>
@@ -3715,7 +3716,6 @@
               <a:rPr lang="en-US" dirty="0" smtClean="0"/>
               <a:t>TODO</a:t>
             </a:r>
-            <a:endParaRPr lang="en-US" dirty="0" smtClean="0"/>
           </a:p>
         </p:txBody>
       </p:sp>
@@ -3796,11 +3796,7 @@
           <a:p>
             <a:r>
               <a:rPr lang="en-US" dirty="0" smtClean="0"/>
-              <a:t>Sprint 2: </a:t>
-            </a:r>
-            <a:r>
-              <a:rPr lang="en-US" dirty="0" smtClean="0"/>
-              <a:t>Retrospective</a:t>
+              <a:t>Sprint 2: Retrospective</a:t>
             </a:r>
             <a:endParaRPr lang="en-US" dirty="0"/>
           </a:p>
